--- a/Taller de Python.pptx
+++ b/Taller de Python.pptx
@@ -22,8 +22,10 @@
     <p:sldId id="279" r:id="rId16"/>
     <p:sldId id="267" r:id="rId17"/>
     <p:sldId id="268" r:id="rId18"/>
-    <p:sldId id="280" r:id="rId19"/>
-    <p:sldId id="272" r:id="rId20"/>
+    <p:sldId id="281" r:id="rId19"/>
+    <p:sldId id="282" r:id="rId20"/>
+    <p:sldId id="280" r:id="rId21"/>
+    <p:sldId id="272" r:id="rId22"/>
   </p:sldIdLst>
   <p:sldSz cx="12192000" cy="6858000"/>
   <p:notesSz cx="6858000" cy="9144000"/>
@@ -134,7 +136,7 @@
 <p1510:revInfo xmlns:a="http://schemas.openxmlformats.org/drawingml/2006/main" xmlns:r="http://schemas.openxmlformats.org/officeDocument/2006/relationships" xmlns:p1510="http://schemas.microsoft.com/office/powerpoint/2015/10/main">
   <p1510:revLst>
     <p1510:client id="{0E92BB3B-F979-4517-BF94-1ADA0FCE8B60}" v="7" dt="2025-10-23T19:53:23.688"/>
-    <p1510:client id="{EE270391-8A33-4DB9-A556-B66838C9E240}" v="327" dt="2025-10-23T20:40:56.312"/>
+    <p1510:client id="{EE270391-8A33-4DB9-A556-B66838C9E240}" v="336" dt="2025-10-23T23:56:03.606"/>
   </p1510:revLst>
 </p1510:revInfo>
 </file>
@@ -144,7 +146,7 @@
   <pc:docChgLst>
     <pc:chgData name="Joaquín Sebastián Segura Ellis" userId="d088d9c53fde54ca" providerId="LiveId" clId="{8D869956-E65C-4F7B-A43E-6C48F47AFC99}"/>
     <pc:docChg chg="undo custSel addSld delSld modSld sldOrd">
-      <pc:chgData name="Joaquín Sebastián Segura Ellis" userId="d088d9c53fde54ca" providerId="LiveId" clId="{8D869956-E65C-4F7B-A43E-6C48F47AFC99}" dt="2025-10-23T21:09:00.840" v="3474" actId="20577"/>
+      <pc:chgData name="Joaquín Sebastián Segura Ellis" userId="d088d9c53fde54ca" providerId="LiveId" clId="{8D869956-E65C-4F7B-A43E-6C48F47AFC99}" dt="2025-10-23T23:56:34.987" v="3891" actId="404"/>
       <pc:docMkLst>
         <pc:docMk/>
       </pc:docMkLst>
@@ -1492,6 +1494,116 @@
           </ac:spMkLst>
         </pc:spChg>
       </pc:sldChg>
+      <pc:sldChg chg="addSp delSp modSp add mod">
+        <pc:chgData name="Joaquín Sebastián Segura Ellis" userId="d088d9c53fde54ca" providerId="LiveId" clId="{8D869956-E65C-4F7B-A43E-6C48F47AFC99}" dt="2025-10-23T23:53:55.225" v="3865" actId="1076"/>
+        <pc:sldMkLst>
+          <pc:docMk/>
+          <pc:sldMk cId="1256059931" sldId="281"/>
+        </pc:sldMkLst>
+        <pc:spChg chg="add del mod">
+          <ac:chgData name="Joaquín Sebastián Segura Ellis" userId="d088d9c53fde54ca" providerId="LiveId" clId="{8D869956-E65C-4F7B-A43E-6C48F47AFC99}" dt="2025-10-23T22:53:03.837" v="3479" actId="478"/>
+          <ac:spMkLst>
+            <pc:docMk/>
+            <pc:sldMk cId="1256059931" sldId="281"/>
+            <ac:spMk id="2" creationId="{A718785E-0E7A-AE64-7321-1B31246682FB}"/>
+          </ac:spMkLst>
+        </pc:spChg>
+        <pc:spChg chg="mod">
+          <ac:chgData name="Joaquín Sebastián Segura Ellis" userId="d088d9c53fde54ca" providerId="LiveId" clId="{8D869956-E65C-4F7B-A43E-6C48F47AFC99}" dt="2025-10-23T22:53:02.026" v="3478" actId="1076"/>
+          <ac:spMkLst>
+            <pc:docMk/>
+            <pc:sldMk cId="1256059931" sldId="281"/>
+            <ac:spMk id="5" creationId="{BEA93C17-E77D-6F61-076C-F6826A3246C2}"/>
+          </ac:spMkLst>
+        </pc:spChg>
+        <pc:spChg chg="add mod">
+          <ac:chgData name="Joaquín Sebastián Segura Ellis" userId="d088d9c53fde54ca" providerId="LiveId" clId="{8D869956-E65C-4F7B-A43E-6C48F47AFC99}" dt="2025-10-23T23:34:56.923" v="3520" actId="1076"/>
+          <ac:spMkLst>
+            <pc:docMk/>
+            <pc:sldMk cId="1256059931" sldId="281"/>
+            <ac:spMk id="6" creationId="{BE68E1D4-DB43-6771-2575-91326CF091A4}"/>
+          </ac:spMkLst>
+        </pc:spChg>
+        <pc:spChg chg="add del mod">
+          <ac:chgData name="Joaquín Sebastián Segura Ellis" userId="d088d9c53fde54ca" providerId="LiveId" clId="{8D869956-E65C-4F7B-A43E-6C48F47AFC99}" dt="2025-10-23T23:33:53.971" v="3491" actId="478"/>
+          <ac:spMkLst>
+            <pc:docMk/>
+            <pc:sldMk cId="1256059931" sldId="281"/>
+            <ac:spMk id="8" creationId="{DDA53D42-EAE9-B7C0-A1F9-8F506C32380E}"/>
+          </ac:spMkLst>
+        </pc:spChg>
+        <pc:spChg chg="add mod">
+          <ac:chgData name="Joaquín Sebastián Segura Ellis" userId="d088d9c53fde54ca" providerId="LiveId" clId="{8D869956-E65C-4F7B-A43E-6C48F47AFC99}" dt="2025-10-23T23:53:55.225" v="3865" actId="1076"/>
+          <ac:spMkLst>
+            <pc:docMk/>
+            <pc:sldMk cId="1256059931" sldId="281"/>
+            <ac:spMk id="10" creationId="{C20CF4D8-3446-0036-397F-7DC7D11669D6}"/>
+          </ac:spMkLst>
+        </pc:spChg>
+        <pc:spChg chg="add mod">
+          <ac:chgData name="Joaquín Sebastián Segura Ellis" userId="d088d9c53fde54ca" providerId="LiveId" clId="{8D869956-E65C-4F7B-A43E-6C48F47AFC99}" dt="2025-10-23T23:53:35.021" v="3864" actId="1076"/>
+          <ac:spMkLst>
+            <pc:docMk/>
+            <pc:sldMk cId="1256059931" sldId="281"/>
+            <ac:spMk id="11" creationId="{2962FB1A-7569-C0AE-F827-8EF546B15A91}"/>
+          </ac:spMkLst>
+        </pc:spChg>
+      </pc:sldChg>
+      <pc:sldChg chg="addSp delSp modSp add mod">
+        <pc:chgData name="Joaquín Sebastián Segura Ellis" userId="d088d9c53fde54ca" providerId="LiveId" clId="{8D869956-E65C-4F7B-A43E-6C48F47AFC99}" dt="2025-10-23T23:56:34.987" v="3891" actId="404"/>
+        <pc:sldMkLst>
+          <pc:docMk/>
+          <pc:sldMk cId="1590638543" sldId="282"/>
+        </pc:sldMkLst>
+        <pc:spChg chg="add mod">
+          <ac:chgData name="Joaquín Sebastián Segura Ellis" userId="d088d9c53fde54ca" providerId="LiveId" clId="{8D869956-E65C-4F7B-A43E-6C48F47AFC99}" dt="2025-10-23T23:56:34.987" v="3891" actId="404"/>
+          <ac:spMkLst>
+            <pc:docMk/>
+            <pc:sldMk cId="1590638543" sldId="282"/>
+            <ac:spMk id="3" creationId="{1969E497-E536-B675-A354-0B589385D135}"/>
+          </ac:spMkLst>
+        </pc:spChg>
+        <pc:spChg chg="mod">
+          <ac:chgData name="Joaquín Sebastián Segura Ellis" userId="d088d9c53fde54ca" providerId="LiveId" clId="{8D869956-E65C-4F7B-A43E-6C48F47AFC99}" dt="2025-10-23T23:54:34.524" v="3867"/>
+          <ac:spMkLst>
+            <pc:docMk/>
+            <pc:sldMk cId="1590638543" sldId="282"/>
+            <ac:spMk id="5" creationId="{B52A30CF-87C8-8CBE-43C5-1F83D339C029}"/>
+          </ac:spMkLst>
+        </pc:spChg>
+        <pc:spChg chg="del">
+          <ac:chgData name="Joaquín Sebastián Segura Ellis" userId="d088d9c53fde54ca" providerId="LiveId" clId="{8D869956-E65C-4F7B-A43E-6C48F47AFC99}" dt="2025-10-23T23:54:38.336" v="3868" actId="478"/>
+          <ac:spMkLst>
+            <pc:docMk/>
+            <pc:sldMk cId="1590638543" sldId="282"/>
+            <ac:spMk id="6" creationId="{117A9D3A-17CC-D3D2-F627-656C898B7B3C}"/>
+          </ac:spMkLst>
+        </pc:spChg>
+        <pc:spChg chg="del">
+          <ac:chgData name="Joaquín Sebastián Segura Ellis" userId="d088d9c53fde54ca" providerId="LiveId" clId="{8D869956-E65C-4F7B-A43E-6C48F47AFC99}" dt="2025-10-23T23:54:38.336" v="3868" actId="478"/>
+          <ac:spMkLst>
+            <pc:docMk/>
+            <pc:sldMk cId="1590638543" sldId="282"/>
+            <ac:spMk id="10" creationId="{AD5847B6-EA74-E845-E721-6C826BC9E045}"/>
+          </ac:spMkLst>
+        </pc:spChg>
+        <pc:spChg chg="del">
+          <ac:chgData name="Joaquín Sebastián Segura Ellis" userId="d088d9c53fde54ca" providerId="LiveId" clId="{8D869956-E65C-4F7B-A43E-6C48F47AFC99}" dt="2025-10-23T23:55:52.670" v="3872" actId="478"/>
+          <ac:spMkLst>
+            <pc:docMk/>
+            <pc:sldMk cId="1590638543" sldId="282"/>
+            <ac:spMk id="11" creationId="{44594EC3-22B7-37F9-0D94-F4C192CC6C1B}"/>
+          </ac:spMkLst>
+        </pc:spChg>
+        <pc:picChg chg="add mod">
+          <ac:chgData name="Joaquín Sebastián Segura Ellis" userId="d088d9c53fde54ca" providerId="LiveId" clId="{8D869956-E65C-4F7B-A43E-6C48F47AFC99}" dt="2025-10-23T23:56:03.605" v="3875" actId="1076"/>
+          <ac:picMkLst>
+            <pc:docMk/>
+            <pc:sldMk cId="1590638543" sldId="282"/>
+            <ac:picMk id="1026" creationId="{66EB1E7D-9E35-7E7C-3C3D-D3DB6AFCA12B}"/>
+          </ac:picMkLst>
+        </pc:picChg>
+      </pc:sldChg>
     </pc:docChg>
   </pc:docChgLst>
   <pc:docChgLst>
@@ -9019,8 +9131,8 @@
           </a:fontRef>
         </p:style>
       </p:cxnSp>
-      <mc:AlternateContent xmlns:mc="http://schemas.openxmlformats.org/markup-compatibility/2006">
-        <mc:Choice xmlns:a14="http://schemas.microsoft.com/office/drawing/2010/main" Requires="a14">
+      <mc:AlternateContent xmlns:mc="http://schemas.openxmlformats.org/markup-compatibility/2006" xmlns:a14="http://schemas.microsoft.com/office/drawing/2010/main">
+        <mc:Choice Requires="a14">
           <p:sp>
             <p:nvSpPr>
               <p:cNvPr id="27" name="CuadroTexto 26">
@@ -9228,7 +9340,7 @@
             </p:txBody>
           </p:sp>
         </mc:Choice>
-        <mc:Fallback>
+        <mc:Fallback xmlns="">
           <p:sp>
             <p:nvSpPr>
               <p:cNvPr id="27" name="CuadroTexto 26">
@@ -12221,7 +12333,7 @@
         <p:cNvPr id="1" name="">
           <a:extLst>
             <a:ext uri="{FF2B5EF4-FFF2-40B4-BE49-F238E27FC236}">
-              <a16:creationId xmlns:a16="http://schemas.microsoft.com/office/drawing/2014/main" id="{CF24A2B8-22B3-9551-475B-EAE3D9ECB473}"/>
+              <a16:creationId xmlns:a16="http://schemas.microsoft.com/office/drawing/2014/main" id="{99AE8629-C475-6377-C6E7-950EB5979BD3}"/>
             </a:ext>
           </a:extLst>
         </p:cNvPr>
@@ -12241,7 +12353,7 @@
           <p:cNvPr id="4" name="CuadroTexto 3">
             <a:extLst>
               <a:ext uri="{FF2B5EF4-FFF2-40B4-BE49-F238E27FC236}">
-                <a16:creationId xmlns:a16="http://schemas.microsoft.com/office/drawing/2014/main" id="{5A9854EA-CAD3-2AA7-10F9-BCE29E61D66A}"/>
+                <a16:creationId xmlns:a16="http://schemas.microsoft.com/office/drawing/2014/main" id="{40F23E86-4BD7-1247-0448-D7F1A7A268B2}"/>
               </a:ext>
             </a:extLst>
           </p:cNvPr>
@@ -12266,7 +12378,7 @@
           <a:p>
             <a:r>
               <a:rPr lang="es-AR" sz="2800" i="1" dirty="0"/>
-              <a:t>¿Qué se puede hacer en Python? Ejemplos…</a:t>
+              <a:t>Librerías útiles para análisis de datos en Python</a:t>
             </a:r>
             <a:endParaRPr lang="en-US" sz="2800" i="1" dirty="0"/>
           </a:p>
@@ -12277,7 +12389,7 @@
           <p:cNvPr id="5" name="CuadroTexto 4">
             <a:extLst>
               <a:ext uri="{FF2B5EF4-FFF2-40B4-BE49-F238E27FC236}">
-                <a16:creationId xmlns:a16="http://schemas.microsoft.com/office/drawing/2014/main" id="{F007F70E-6548-9D81-8EC2-331B889318E6}"/>
+                <a16:creationId xmlns:a16="http://schemas.microsoft.com/office/drawing/2014/main" id="{BEA93C17-E77D-6F61-076C-F6826A3246C2}"/>
               </a:ext>
             </a:extLst>
           </p:cNvPr>
@@ -12286,8 +12398,8 @@
         </p:nvSpPr>
         <p:spPr>
           <a:xfrm>
-            <a:off x="749709" y="1550721"/>
-            <a:ext cx="10692581" cy="4031873"/>
+            <a:off x="749708" y="886011"/>
+            <a:ext cx="10692581" cy="923330"/>
           </a:xfrm>
           <a:prstGeom prst="rect">
             <a:avLst/>
@@ -12300,218 +12412,248 @@
           </a:bodyPr>
           <a:lstStyle/>
           <a:p>
-            <a:pPr marL="342900" indent="-342900" algn="just">
+            <a:pPr marL="285750" indent="-285750" algn="just">
               <a:spcBef>
                 <a:spcPts val="600"/>
               </a:spcBef>
-              <a:buFont typeface="+mj-lt"/>
-              <a:buAutoNum type="arabicPeriod"/>
+              <a:buFont typeface="Arial" panose="020B0604020202020204" pitchFamily="34" charset="0"/>
+              <a:buChar char="•"/>
             </a:pPr>
             <a:r>
-              <a:rPr lang="es-AR" noProof="0" dirty="0"/>
-              <a:t>Archivos .</a:t>
-            </a:r>
-            <a:r>
-              <a:rPr lang="es-AR" noProof="0" dirty="0" err="1"/>
-              <a:t>csv</a:t>
-            </a:r>
-            <a:r>
-              <a:rPr lang="es-AR" noProof="0" dirty="0"/>
-              <a:t>: Crear, abrir o editar este tipo de archivos que permiten almacenar información en texto.</a:t>
-            </a:r>
-            <a:endParaRPr lang="es-AR" dirty="0"/>
-          </a:p>
-          <a:p>
-            <a:pPr marL="342900" indent="-342900" algn="just">
+              <a:rPr lang="es-ES" dirty="0" err="1"/>
+              <a:t>NumPy</a:t>
+            </a:r>
+            <a:r>
+              <a:rPr lang="es-ES" dirty="0"/>
+              <a:t>: Biblioteca fundamental para computación numérica. Soporta arreglos multidimensionales, operaciones matemáticas vectorizadas y funciones para álgebra lineal, generación de números aleatorios y transformadas de Fourier.</a:t>
+            </a:r>
+          </a:p>
+        </p:txBody>
+      </p:sp>
+      <p:sp>
+        <p:nvSpPr>
+          <p:cNvPr id="6" name="CuadroTexto 5">
+            <a:extLst>
+              <a:ext uri="{FF2B5EF4-FFF2-40B4-BE49-F238E27FC236}">
+                <a16:creationId xmlns:a16="http://schemas.microsoft.com/office/drawing/2014/main" id="{BE68E1D4-DB43-6771-2575-91326CF091A4}"/>
+              </a:ext>
+            </a:extLst>
+          </p:cNvPr>
+          <p:cNvSpPr txBox="1"/>
+          <p:nvPr/>
+        </p:nvSpPr>
+        <p:spPr>
+          <a:xfrm>
+            <a:off x="1499416" y="2238513"/>
+            <a:ext cx="9193163" cy="369332"/>
+          </a:xfrm>
+          <a:prstGeom prst="rect">
+            <a:avLst/>
+          </a:prstGeom>
+          <a:noFill/>
+          <a:ln>
+            <a:noFill/>
+          </a:ln>
+        </p:spPr>
+        <p:style>
+          <a:lnRef idx="0">
+            <a:scrgbClr r="0" g="0" b="0"/>
+          </a:lnRef>
+          <a:fillRef idx="0">
+            <a:scrgbClr r="0" g="0" b="0"/>
+          </a:fillRef>
+          <a:effectRef idx="0">
+            <a:scrgbClr r="0" g="0" b="0"/>
+          </a:effectRef>
+          <a:fontRef idx="minor">
+            <a:schemeClr val="dk1"/>
+          </a:fontRef>
+        </p:style>
+        <p:txBody>
+          <a:bodyPr wrap="square">
+            <a:spAutoFit/>
+          </a:bodyPr>
+          <a:lstStyle/>
+          <a:p>
+            <a:r>
+              <a:rPr lang="en-US" b="0" i="0" dirty="0">
+                <a:solidFill>
+                  <a:schemeClr val="tx1"/>
+                </a:solidFill>
+                <a:effectLst/>
+                <a:latin typeface="Consolas" panose="020B0609020204030204" pitchFamily="49" charset="0"/>
+              </a:rPr>
+              <a:t>array([0.3123452 , 0.10910728, 0.3464814 , 0.78181723, 0.89987566])</a:t>
+            </a:r>
+            <a:endParaRPr lang="en-US" dirty="0">
+              <a:solidFill>
+                <a:schemeClr val="tx1"/>
+              </a:solidFill>
+            </a:endParaRPr>
+          </a:p>
+        </p:txBody>
+      </p:sp>
+      <p:sp>
+        <p:nvSpPr>
+          <p:cNvPr id="10" name="CuadroTexto 9">
+            <a:extLst>
+              <a:ext uri="{FF2B5EF4-FFF2-40B4-BE49-F238E27FC236}">
+                <a16:creationId xmlns:a16="http://schemas.microsoft.com/office/drawing/2014/main" id="{C20CF4D8-3446-0036-397F-7DC7D11669D6}"/>
+              </a:ext>
+            </a:extLst>
+          </p:cNvPr>
+          <p:cNvSpPr txBox="1"/>
+          <p:nvPr/>
+        </p:nvSpPr>
+        <p:spPr>
+          <a:xfrm>
+            <a:off x="1499416" y="2956654"/>
+            <a:ext cx="8534401" cy="1200329"/>
+          </a:xfrm>
+          <a:prstGeom prst="rect">
+            <a:avLst/>
+          </a:prstGeom>
+          <a:noFill/>
+        </p:spPr>
+        <p:txBody>
+          <a:bodyPr wrap="square">
+            <a:spAutoFit/>
+          </a:bodyPr>
+          <a:lstStyle/>
+          <a:p>
+            <a:r>
+              <a:rPr lang="en-US" b="0" i="0" dirty="0">
+                <a:effectLst/>
+                <a:latin typeface="Consolas" panose="020B0609020204030204" pitchFamily="49" charset="0"/>
+              </a:rPr>
+              <a:t>array([	[0.58018382, 0.93306777, 0.78881525, 0.80809645],</a:t>
+            </a:r>
+            <a:endParaRPr lang="en-US" dirty="0">
+              <a:latin typeface="Consolas" panose="020B0609020204030204" pitchFamily="49" charset="0"/>
+            </a:endParaRPr>
+          </a:p>
+          <a:p>
+            <a:r>
+              <a:rPr lang="en-US" b="0" i="0" dirty="0">
+                <a:effectLst/>
+                <a:latin typeface="Consolas" panose="020B0609020204030204" pitchFamily="49" charset="0"/>
+              </a:rPr>
+              <a:t>		[0.28405488, 0.07904666, 0.22094959, 0.13018061], </a:t>
+            </a:r>
+          </a:p>
+          <a:p>
+            <a:r>
+              <a:rPr lang="en-US" dirty="0">
+                <a:latin typeface="Consolas" panose="020B0609020204030204" pitchFamily="49" charset="0"/>
+              </a:rPr>
+              <a:t>		</a:t>
+            </a:r>
+            <a:r>
+              <a:rPr lang="en-US" b="0" i="0" dirty="0">
+                <a:effectLst/>
+                <a:latin typeface="Consolas" panose="020B0609020204030204" pitchFamily="49" charset="0"/>
+              </a:rPr>
+              <a:t>[0.62488252, 0.04608582, 0.63887028, 0.34813544], </a:t>
+            </a:r>
+          </a:p>
+          <a:p>
+            <a:r>
+              <a:rPr lang="en-US" dirty="0">
+                <a:latin typeface="Consolas" panose="020B0609020204030204" pitchFamily="49" charset="0"/>
+              </a:rPr>
+              <a:t>		</a:t>
+            </a:r>
+            <a:r>
+              <a:rPr lang="en-US" b="0" i="0" dirty="0">
+                <a:effectLst/>
+                <a:latin typeface="Consolas" panose="020B0609020204030204" pitchFamily="49" charset="0"/>
+              </a:rPr>
+              <a:t>[0.92406151, 0.75355338, 0.88446956, 0.70494965]])</a:t>
+            </a:r>
+            <a:endParaRPr lang="en-US" dirty="0"/>
+          </a:p>
+        </p:txBody>
+      </p:sp>
+      <p:sp>
+        <p:nvSpPr>
+          <p:cNvPr id="11" name="CuadroTexto 10">
+            <a:extLst>
+              <a:ext uri="{FF2B5EF4-FFF2-40B4-BE49-F238E27FC236}">
+                <a16:creationId xmlns:a16="http://schemas.microsoft.com/office/drawing/2014/main" id="{2962FB1A-7569-C0AE-F827-8EF546B15A91}"/>
+              </a:ext>
+            </a:extLst>
+          </p:cNvPr>
+          <p:cNvSpPr txBox="1"/>
+          <p:nvPr/>
+        </p:nvSpPr>
+        <p:spPr>
+          <a:xfrm>
+            <a:off x="1828796" y="4657535"/>
+            <a:ext cx="8534402" cy="1077218"/>
+          </a:xfrm>
+          <a:prstGeom prst="rect">
+            <a:avLst/>
+          </a:prstGeom>
+          <a:noFill/>
+        </p:spPr>
+        <p:txBody>
+          <a:bodyPr wrap="square" anchor="ctr">
+            <a:spAutoFit/>
+          </a:bodyPr>
+          <a:lstStyle/>
+          <a:p>
+            <a:pPr marL="285750" indent="-285750" algn="just">
               <a:spcBef>
                 <a:spcPts val="600"/>
               </a:spcBef>
-              <a:buFont typeface="+mj-lt"/>
-              <a:buAutoNum type="arabicPeriod"/>
+              <a:buFont typeface="Wingdings" panose="05000000000000000000" pitchFamily="2" charset="2"/>
+              <a:buChar char="ü"/>
             </a:pPr>
             <a:r>
-              <a:rPr lang="es-AR" noProof="0" dirty="0"/>
-              <a:t>Planillas de cálculo: </a:t>
-            </a:r>
-            <a:r>
-              <a:rPr lang="es-AR" dirty="0"/>
-              <a:t>Crear, abrir o editar planillas tipo Excel.</a:t>
-            </a:r>
-          </a:p>
-          <a:p>
-            <a:pPr marL="342900" indent="-342900" algn="just">
+              <a:rPr lang="es-ES" dirty="0"/>
+              <a:t>Podemos aplicarles cualquier operador básico, lógico, vectorial, matricial, etc.</a:t>
+            </a:r>
+          </a:p>
+          <a:p>
+            <a:pPr marL="285750" indent="-285750" algn="just">
               <a:spcBef>
                 <a:spcPts val="600"/>
               </a:spcBef>
-              <a:buFont typeface="+mj-lt"/>
-              <a:buAutoNum type="arabicPeriod"/>
+              <a:buFont typeface="Wingdings" panose="05000000000000000000" pitchFamily="2" charset="2"/>
+              <a:buChar char="ü"/>
             </a:pPr>
             <a:r>
-              <a:rPr lang="es-AR" noProof="0" dirty="0"/>
-              <a:t>Archivos JSON: </a:t>
-            </a:r>
-            <a:r>
-              <a:rPr lang="es-AR" dirty="0"/>
-              <a:t>Crear, abrir o editar información de archivos </a:t>
-            </a:r>
-            <a:r>
-              <a:rPr lang="es-AR" dirty="0" err="1"/>
-              <a:t>json</a:t>
-            </a:r>
-            <a:r>
-              <a:rPr lang="es-AR" dirty="0"/>
-              <a:t> y </a:t>
-            </a:r>
-            <a:r>
-              <a:rPr lang="es-AR" dirty="0" err="1"/>
-              <a:t>geojson</a:t>
-            </a:r>
-            <a:r>
-              <a:rPr lang="es-AR" dirty="0"/>
-              <a:t> (vectoriales).</a:t>
-            </a:r>
-          </a:p>
-          <a:p>
-            <a:pPr marL="342900" indent="-342900" algn="just">
+              <a:rPr lang="es-ES" dirty="0"/>
+              <a:t>Podemos hacer modificaciones a texto en los </a:t>
+            </a:r>
+            <a:r>
+              <a:rPr lang="es-ES" dirty="0" err="1"/>
+              <a:t>arrays</a:t>
+            </a:r>
+            <a:r>
+              <a:rPr lang="es-ES" dirty="0"/>
+              <a:t>.</a:t>
+            </a:r>
+          </a:p>
+          <a:p>
+            <a:pPr marL="285750" indent="-285750" algn="just">
               <a:spcBef>
                 <a:spcPts val="600"/>
               </a:spcBef>
-              <a:buFont typeface="+mj-lt"/>
-              <a:buAutoNum type="arabicPeriod"/>
+              <a:buFont typeface="Wingdings" panose="05000000000000000000" pitchFamily="2" charset="2"/>
+              <a:buChar char="ü"/>
             </a:pPr>
             <a:r>
-              <a:rPr lang="es-AR" noProof="0" dirty="0"/>
-              <a:t>Archivos SHP: </a:t>
-            </a:r>
-            <a:r>
-              <a:rPr lang="es-AR" dirty="0"/>
-              <a:t>Crear, abrir o editar archivos </a:t>
-            </a:r>
-            <a:r>
-              <a:rPr lang="es-AR" dirty="0" err="1"/>
-              <a:t>shape</a:t>
-            </a:r>
-            <a:r>
-              <a:rPr lang="es-AR" dirty="0"/>
-              <a:t> (vectoriales) con polígonos, líneas y/o puntos con sus respectivos atributos.</a:t>
-            </a:r>
-          </a:p>
-          <a:p>
-            <a:pPr marL="342900" indent="-342900" algn="just">
-              <a:spcBef>
-                <a:spcPts val="600"/>
-              </a:spcBef>
-              <a:buFont typeface="+mj-lt"/>
-              <a:buAutoNum type="arabicPeriod"/>
-            </a:pPr>
-            <a:r>
-              <a:rPr lang="es-AR" noProof="0" dirty="0"/>
-              <a:t>Archivos TIF: </a:t>
-            </a:r>
-            <a:r>
-              <a:rPr lang="es-AR" dirty="0"/>
-              <a:t>Crear, abrir o editar archivos </a:t>
-            </a:r>
-            <a:r>
-              <a:rPr lang="es-AR" dirty="0" err="1"/>
-              <a:t>tif</a:t>
-            </a:r>
-            <a:r>
-              <a:rPr lang="es-AR" dirty="0"/>
-              <a:t> (ráster) con información geoespacial.</a:t>
-            </a:r>
-          </a:p>
-          <a:p>
-            <a:pPr marL="342900" indent="-342900" algn="just">
-              <a:spcBef>
-                <a:spcPts val="600"/>
-              </a:spcBef>
-              <a:buFont typeface="+mj-lt"/>
-              <a:buAutoNum type="arabicPeriod"/>
-            </a:pPr>
-            <a:r>
-              <a:rPr lang="es-AR" noProof="0" dirty="0"/>
-              <a:t>Documentos PDF: </a:t>
-            </a:r>
-            <a:r>
-              <a:rPr lang="es-AR" dirty="0"/>
-              <a:t>Crear, abrir o editar documentos </a:t>
-            </a:r>
-            <a:r>
-              <a:rPr lang="es-AR" dirty="0" err="1"/>
-              <a:t>pdf</a:t>
-            </a:r>
-            <a:r>
-              <a:rPr lang="es-AR" dirty="0"/>
-              <a:t>, agregando texto, imágenes o tablas.</a:t>
-            </a:r>
-          </a:p>
-          <a:p>
-            <a:pPr marL="342900" indent="-342900" algn="just">
-              <a:spcBef>
-                <a:spcPts val="600"/>
-              </a:spcBef>
-              <a:buFont typeface="+mj-lt"/>
-              <a:buAutoNum type="arabicPeriod"/>
-            </a:pPr>
-            <a:r>
-              <a:rPr lang="es-AR" noProof="0" dirty="0"/>
-              <a:t>Regresión lineal: Ajustar una f</a:t>
-            </a:r>
-            <a:r>
-              <a:rPr lang="es-AR" dirty="0"/>
-              <a:t>unción lineal para modelar una variable en función de otra, mostrando la bondad del ajuste, pendiente, ordenada al origen y el intervalo de confianza.</a:t>
-            </a:r>
-          </a:p>
-          <a:p>
-            <a:pPr marL="342900" indent="-342900" algn="just">
-              <a:spcBef>
-                <a:spcPts val="600"/>
-              </a:spcBef>
-              <a:buFont typeface="+mj-lt"/>
-              <a:buAutoNum type="arabicPeriod"/>
-            </a:pPr>
-            <a:r>
-              <a:rPr lang="es-AR" noProof="0" dirty="0"/>
-              <a:t>Correlación entre dos variables para distintos tiempos.</a:t>
-            </a:r>
-          </a:p>
-          <a:p>
-            <a:pPr marL="342900" indent="-342900" algn="just">
-              <a:spcBef>
-                <a:spcPts val="600"/>
-              </a:spcBef>
-              <a:buFont typeface="+mj-lt"/>
-              <a:buAutoNum type="arabicPeriod"/>
-            </a:pPr>
-            <a:r>
-              <a:rPr lang="es-AR" dirty="0"/>
-              <a:t>Uso de la API de Google </a:t>
-            </a:r>
-            <a:r>
-              <a:rPr lang="es-AR" dirty="0" err="1"/>
-              <a:t>Earth</a:t>
-            </a:r>
-            <a:r>
-              <a:rPr lang="es-AR" dirty="0"/>
-              <a:t> </a:t>
-            </a:r>
-            <a:r>
-              <a:rPr lang="es-AR" dirty="0" err="1"/>
-              <a:t>Engine</a:t>
-            </a:r>
-            <a:r>
-              <a:rPr lang="es-AR" dirty="0"/>
-              <a:t>: Permite utilizar colecciones de GEE, descargarlas, etc.</a:t>
-            </a:r>
-            <a:endParaRPr lang="es-AR" noProof="0" dirty="0"/>
+              <a:rPr lang="es-ES" dirty="0"/>
+              <a:t>Podemos aplicar funciones a todo el array o en una dimensión.</a:t>
+            </a:r>
           </a:p>
         </p:txBody>
       </p:sp>
     </p:spTree>
     <p:extLst>
       <p:ext uri="{BB962C8B-B14F-4D97-AF65-F5344CB8AC3E}">
-        <p14:creationId xmlns:p14="http://schemas.microsoft.com/office/powerpoint/2010/main" val="3025350201"/>
+        <p14:creationId xmlns:p14="http://schemas.microsoft.com/office/powerpoint/2010/main" val="1256059931"/>
       </p:ext>
     </p:extLst>
   </p:cSld>
@@ -12529,7 +12671,7 @@
         <p:cNvPr id="1" name="">
           <a:extLst>
             <a:ext uri="{FF2B5EF4-FFF2-40B4-BE49-F238E27FC236}">
-              <a16:creationId xmlns:a16="http://schemas.microsoft.com/office/drawing/2014/main" id="{B0B209D0-8D1D-7E27-FCA4-DDB26A4EEECD}"/>
+              <a16:creationId xmlns:a16="http://schemas.microsoft.com/office/drawing/2014/main" id="{4224C99C-EF13-B94E-2B34-F5652269AAE0}"/>
             </a:ext>
           </a:extLst>
         </p:cNvPr>
@@ -12549,7 +12691,7 @@
           <p:cNvPr id="4" name="CuadroTexto 3">
             <a:extLst>
               <a:ext uri="{FF2B5EF4-FFF2-40B4-BE49-F238E27FC236}">
-                <a16:creationId xmlns:a16="http://schemas.microsoft.com/office/drawing/2014/main" id="{87BC7AC6-3E5E-0B6C-4D6D-26CCED70CED5}"/>
+                <a16:creationId xmlns:a16="http://schemas.microsoft.com/office/drawing/2014/main" id="{A8A20E27-2C41-8088-4A1D-ED476A243840}"/>
               </a:ext>
             </a:extLst>
           </p:cNvPr>
@@ -12558,8 +12700,8 @@
         </p:nvSpPr>
         <p:spPr>
           <a:xfrm>
-            <a:off x="3866534" y="2243158"/>
-            <a:ext cx="4458931" cy="523220"/>
+            <a:off x="855404" y="205540"/>
+            <a:ext cx="11169448" cy="523220"/>
           </a:xfrm>
           <a:prstGeom prst="rect">
             <a:avLst/>
@@ -12572,26 +12714,75 @@
           </a:bodyPr>
           <a:lstStyle/>
           <a:p>
-            <a:pPr algn="ctr"/>
             <a:r>
               <a:rPr lang="es-AR" sz="2800" i="1" dirty="0"/>
-              <a:t>¿Dudas?</a:t>
-            </a:r>
-            <a:endParaRPr lang="en-US" sz="2800" dirty="0"/>
+              <a:t>Librerías útiles para análisis de datos en Python</a:t>
+            </a:r>
+            <a:endParaRPr lang="en-US" sz="2800" i="1" dirty="0"/>
+          </a:p>
+        </p:txBody>
+      </p:sp>
+      <p:sp>
+        <p:nvSpPr>
+          <p:cNvPr id="5" name="CuadroTexto 4">
+            <a:extLst>
+              <a:ext uri="{FF2B5EF4-FFF2-40B4-BE49-F238E27FC236}">
+                <a16:creationId xmlns:a16="http://schemas.microsoft.com/office/drawing/2014/main" id="{B52A30CF-87C8-8CBE-43C5-1F83D339C029}"/>
+              </a:ext>
+            </a:extLst>
+          </p:cNvPr>
+          <p:cNvSpPr txBox="1"/>
+          <p:nvPr/>
+        </p:nvSpPr>
+        <p:spPr>
+          <a:xfrm>
+            <a:off x="749708" y="1024510"/>
+            <a:ext cx="10692581" cy="646331"/>
+          </a:xfrm>
+          <a:prstGeom prst="rect">
+            <a:avLst/>
+          </a:prstGeom>
+          <a:noFill/>
+        </p:spPr>
+        <p:txBody>
+          <a:bodyPr wrap="square" anchor="ctr">
+            <a:spAutoFit/>
+          </a:bodyPr>
+          <a:lstStyle/>
+          <a:p>
+            <a:pPr marL="285750" indent="-285750" algn="just">
+              <a:spcBef>
+                <a:spcPts val="600"/>
+              </a:spcBef>
+              <a:buFont typeface="Arial" panose="020B0604020202020204" pitchFamily="34" charset="0"/>
+              <a:buChar char="•"/>
+            </a:pPr>
+            <a:r>
+              <a:rPr lang="es-ES" dirty="0"/>
+              <a:t>Pandas: Ideal para manipulación y análisis de datos. Proporciona estructuras como </a:t>
+            </a:r>
+            <a:r>
+              <a:rPr lang="es-ES" dirty="0" err="1"/>
+              <a:t>DataFrames</a:t>
+            </a:r>
+            <a:r>
+              <a:rPr lang="es-ES" dirty="0"/>
+              <a:t> y Series para manejar datos tabulares, limpieza, fusión, agregación y manejo de datos faltantes.</a:t>
+            </a:r>
           </a:p>
         </p:txBody>
       </p:sp>
       <p:pic>
         <p:nvPicPr>
-          <p:cNvPr id="3" name="Imagen 2" descr="Un hombre vestido de traje con la mano&#10;&#10;El contenido generado por IA puede ser incorrecto.">
+          <p:cNvPr id="1026" name="Picture 2" descr="Introduction to pandas — Data Science for Energy System Modelling">
             <a:extLst>
               <a:ext uri="{FF2B5EF4-FFF2-40B4-BE49-F238E27FC236}">
-                <a16:creationId xmlns:a16="http://schemas.microsoft.com/office/drawing/2014/main" id="{F43511ED-4468-26CD-773C-20C275CD6036}"/>
+                <a16:creationId xmlns:a16="http://schemas.microsoft.com/office/drawing/2014/main" id="{66EB1E7D-9E35-7E7C-3C3D-D3DB6AFCA12B}"/>
               </a:ext>
             </a:extLst>
           </p:cNvPr>
           <p:cNvPicPr>
-            <a:picLocks noChangeAspect="1"/>
+            <a:picLocks noChangeAspect="1" noChangeArrowheads="1"/>
           </p:cNvPicPr>
           <p:nvPr/>
         </p:nvPicPr>
@@ -12603,24 +12794,70 @@
               </a:ext>
             </a:extLst>
           </a:blip>
+          <a:srcRect/>
           <a:stretch>
             <a:fillRect/>
           </a:stretch>
         </p:blipFill>
-        <p:spPr>
-          <a:xfrm>
-            <a:off x="4651426" y="3013695"/>
-            <a:ext cx="2889148" cy="2958172"/>
+        <p:spPr bwMode="auto">
+          <a:xfrm>
+            <a:off x="741024" y="1873680"/>
+            <a:ext cx="10709947" cy="4458294"/>
           </a:xfrm>
           <a:prstGeom prst="rect">
             <a:avLst/>
           </a:prstGeom>
+          <a:noFill/>
+          <a:extLst>
+            <a:ext uri="{909E8E84-426E-40DD-AFC4-6F175D3DCCD1}">
+              <a14:hiddenFill xmlns:a14="http://schemas.microsoft.com/office/drawing/2010/main">
+                <a:solidFill>
+                  <a:srgbClr val="FFFFFF"/>
+                </a:solidFill>
+              </a14:hiddenFill>
+            </a:ext>
+          </a:extLst>
         </p:spPr>
       </p:pic>
+      <p:sp>
+        <p:nvSpPr>
+          <p:cNvPr id="3" name="CuadroTexto 2">
+            <a:extLst>
+              <a:ext uri="{FF2B5EF4-FFF2-40B4-BE49-F238E27FC236}">
+                <a16:creationId xmlns:a16="http://schemas.microsoft.com/office/drawing/2014/main" id="{1969E497-E536-B675-A354-0B589385D135}"/>
+              </a:ext>
+            </a:extLst>
+          </p:cNvPr>
+          <p:cNvSpPr txBox="1"/>
+          <p:nvPr/>
+        </p:nvSpPr>
+        <p:spPr>
+          <a:xfrm>
+            <a:off x="741024" y="6331974"/>
+            <a:ext cx="10709947" cy="276999"/>
+          </a:xfrm>
+          <a:prstGeom prst="rect">
+            <a:avLst/>
+          </a:prstGeom>
+          <a:noFill/>
+        </p:spPr>
+        <p:txBody>
+          <a:bodyPr wrap="square">
+            <a:spAutoFit/>
+          </a:bodyPr>
+          <a:lstStyle/>
+          <a:p>
+            <a:r>
+              <a:rPr lang="en-US" sz="1200" dirty="0"/>
+              <a:t>Fuente: https://fneum.github.io/data-science-for-esm/03-workshop-pandas.html</a:t>
+            </a:r>
+          </a:p>
+        </p:txBody>
+      </p:sp>
     </p:spTree>
     <p:extLst>
       <p:ext uri="{BB962C8B-B14F-4D97-AF65-F5344CB8AC3E}">
-        <p14:creationId xmlns:p14="http://schemas.microsoft.com/office/powerpoint/2010/main" val="1136011036"/>
+        <p14:creationId xmlns:p14="http://schemas.microsoft.com/office/powerpoint/2010/main" val="1590638543"/>
       </p:ext>
     </p:extLst>
   </p:cSld>
@@ -13214,6 +13451,423 @@
     <p:extLst>
       <p:ext uri="{BB962C8B-B14F-4D97-AF65-F5344CB8AC3E}">
         <p14:creationId xmlns:p14="http://schemas.microsoft.com/office/powerpoint/2010/main" val="3342987890"/>
+      </p:ext>
+    </p:extLst>
+  </p:cSld>
+  <p:clrMapOvr>
+    <a:masterClrMapping/>
+  </p:clrMapOvr>
+</p:sld>
+</file>
+
+<file path=ppt/slides/slide20.xml><?xml version="1.0" encoding="utf-8"?>
+<p:sld xmlns:a="http://schemas.openxmlformats.org/drawingml/2006/main" xmlns:r="http://schemas.openxmlformats.org/officeDocument/2006/relationships" xmlns:p="http://schemas.openxmlformats.org/presentationml/2006/main">
+  <p:cSld>
+    <p:spTree>
+      <p:nvGrpSpPr>
+        <p:cNvPr id="1" name="">
+          <a:extLst>
+            <a:ext uri="{FF2B5EF4-FFF2-40B4-BE49-F238E27FC236}">
+              <a16:creationId xmlns:a16="http://schemas.microsoft.com/office/drawing/2014/main" id="{CF24A2B8-22B3-9551-475B-EAE3D9ECB473}"/>
+            </a:ext>
+          </a:extLst>
+        </p:cNvPr>
+        <p:cNvGrpSpPr/>
+        <p:nvPr/>
+      </p:nvGrpSpPr>
+      <p:grpSpPr>
+        <a:xfrm>
+          <a:off x="0" y="0"/>
+          <a:ext cx="0" cy="0"/>
+          <a:chOff x="0" y="0"/>
+          <a:chExt cx="0" cy="0"/>
+        </a:xfrm>
+      </p:grpSpPr>
+      <p:sp>
+        <p:nvSpPr>
+          <p:cNvPr id="4" name="CuadroTexto 3">
+            <a:extLst>
+              <a:ext uri="{FF2B5EF4-FFF2-40B4-BE49-F238E27FC236}">
+                <a16:creationId xmlns:a16="http://schemas.microsoft.com/office/drawing/2014/main" id="{5A9854EA-CAD3-2AA7-10F9-BCE29E61D66A}"/>
+              </a:ext>
+            </a:extLst>
+          </p:cNvPr>
+          <p:cNvSpPr txBox="1"/>
+          <p:nvPr/>
+        </p:nvSpPr>
+        <p:spPr>
+          <a:xfrm>
+            <a:off x="855404" y="205540"/>
+            <a:ext cx="11169448" cy="523220"/>
+          </a:xfrm>
+          <a:prstGeom prst="rect">
+            <a:avLst/>
+          </a:prstGeom>
+          <a:noFill/>
+        </p:spPr>
+        <p:txBody>
+          <a:bodyPr wrap="square" rtlCol="0">
+            <a:spAutoFit/>
+          </a:bodyPr>
+          <a:lstStyle/>
+          <a:p>
+            <a:r>
+              <a:rPr lang="es-AR" sz="2800" i="1" dirty="0"/>
+              <a:t>¿Qué se puede hacer en Python? Ejemplos…</a:t>
+            </a:r>
+            <a:endParaRPr lang="en-US" sz="2800" i="1" dirty="0"/>
+          </a:p>
+        </p:txBody>
+      </p:sp>
+      <p:sp>
+        <p:nvSpPr>
+          <p:cNvPr id="5" name="CuadroTexto 4">
+            <a:extLst>
+              <a:ext uri="{FF2B5EF4-FFF2-40B4-BE49-F238E27FC236}">
+                <a16:creationId xmlns:a16="http://schemas.microsoft.com/office/drawing/2014/main" id="{F007F70E-6548-9D81-8EC2-331B889318E6}"/>
+              </a:ext>
+            </a:extLst>
+          </p:cNvPr>
+          <p:cNvSpPr txBox="1"/>
+          <p:nvPr/>
+        </p:nvSpPr>
+        <p:spPr>
+          <a:xfrm>
+            <a:off x="749709" y="1550721"/>
+            <a:ext cx="10692581" cy="4031873"/>
+          </a:xfrm>
+          <a:prstGeom prst="rect">
+            <a:avLst/>
+          </a:prstGeom>
+          <a:noFill/>
+        </p:spPr>
+        <p:txBody>
+          <a:bodyPr wrap="square" anchor="ctr">
+            <a:spAutoFit/>
+          </a:bodyPr>
+          <a:lstStyle/>
+          <a:p>
+            <a:pPr marL="342900" indent="-342900" algn="just">
+              <a:spcBef>
+                <a:spcPts val="600"/>
+              </a:spcBef>
+              <a:buFont typeface="+mj-lt"/>
+              <a:buAutoNum type="arabicPeriod"/>
+            </a:pPr>
+            <a:r>
+              <a:rPr lang="es-AR" noProof="0" dirty="0"/>
+              <a:t>Archivos .</a:t>
+            </a:r>
+            <a:r>
+              <a:rPr lang="es-AR" noProof="0" dirty="0" err="1"/>
+              <a:t>csv</a:t>
+            </a:r>
+            <a:r>
+              <a:rPr lang="es-AR" noProof="0" dirty="0"/>
+              <a:t>: Crear, abrir o editar este tipo de archivos que permiten almacenar información en texto.</a:t>
+            </a:r>
+            <a:endParaRPr lang="es-AR" dirty="0"/>
+          </a:p>
+          <a:p>
+            <a:pPr marL="342900" indent="-342900" algn="just">
+              <a:spcBef>
+                <a:spcPts val="600"/>
+              </a:spcBef>
+              <a:buFont typeface="+mj-lt"/>
+              <a:buAutoNum type="arabicPeriod"/>
+            </a:pPr>
+            <a:r>
+              <a:rPr lang="es-AR" noProof="0" dirty="0"/>
+              <a:t>Planillas de cálculo: </a:t>
+            </a:r>
+            <a:r>
+              <a:rPr lang="es-AR" dirty="0"/>
+              <a:t>Crear, abrir o editar planillas tipo Excel.</a:t>
+            </a:r>
+          </a:p>
+          <a:p>
+            <a:pPr marL="342900" indent="-342900" algn="just">
+              <a:spcBef>
+                <a:spcPts val="600"/>
+              </a:spcBef>
+              <a:buFont typeface="+mj-lt"/>
+              <a:buAutoNum type="arabicPeriod"/>
+            </a:pPr>
+            <a:r>
+              <a:rPr lang="es-AR" noProof="0" dirty="0"/>
+              <a:t>Archivos JSON: </a:t>
+            </a:r>
+            <a:r>
+              <a:rPr lang="es-AR" dirty="0"/>
+              <a:t>Crear, abrir o editar información de archivos </a:t>
+            </a:r>
+            <a:r>
+              <a:rPr lang="es-AR" dirty="0" err="1"/>
+              <a:t>json</a:t>
+            </a:r>
+            <a:r>
+              <a:rPr lang="es-AR" dirty="0"/>
+              <a:t> y </a:t>
+            </a:r>
+            <a:r>
+              <a:rPr lang="es-AR" dirty="0" err="1"/>
+              <a:t>geojson</a:t>
+            </a:r>
+            <a:r>
+              <a:rPr lang="es-AR" dirty="0"/>
+              <a:t> (vectoriales).</a:t>
+            </a:r>
+          </a:p>
+          <a:p>
+            <a:pPr marL="342900" indent="-342900" algn="just">
+              <a:spcBef>
+                <a:spcPts val="600"/>
+              </a:spcBef>
+              <a:buFont typeface="+mj-lt"/>
+              <a:buAutoNum type="arabicPeriod"/>
+            </a:pPr>
+            <a:r>
+              <a:rPr lang="es-AR" noProof="0" dirty="0"/>
+              <a:t>Archivos SHP: </a:t>
+            </a:r>
+            <a:r>
+              <a:rPr lang="es-AR" dirty="0"/>
+              <a:t>Crear, abrir o editar archivos </a:t>
+            </a:r>
+            <a:r>
+              <a:rPr lang="es-AR" dirty="0" err="1"/>
+              <a:t>shape</a:t>
+            </a:r>
+            <a:r>
+              <a:rPr lang="es-AR" dirty="0"/>
+              <a:t> (vectoriales) con polígonos, líneas y/o puntos con sus respectivos atributos.</a:t>
+            </a:r>
+          </a:p>
+          <a:p>
+            <a:pPr marL="342900" indent="-342900" algn="just">
+              <a:spcBef>
+                <a:spcPts val="600"/>
+              </a:spcBef>
+              <a:buFont typeface="+mj-lt"/>
+              <a:buAutoNum type="arabicPeriod"/>
+            </a:pPr>
+            <a:r>
+              <a:rPr lang="es-AR" noProof="0" dirty="0"/>
+              <a:t>Archivos TIF: </a:t>
+            </a:r>
+            <a:r>
+              <a:rPr lang="es-AR" dirty="0"/>
+              <a:t>Crear, abrir o editar archivos </a:t>
+            </a:r>
+            <a:r>
+              <a:rPr lang="es-AR" dirty="0" err="1"/>
+              <a:t>tif</a:t>
+            </a:r>
+            <a:r>
+              <a:rPr lang="es-AR" dirty="0"/>
+              <a:t> (ráster) con información geoespacial.</a:t>
+            </a:r>
+          </a:p>
+          <a:p>
+            <a:pPr marL="342900" indent="-342900" algn="just">
+              <a:spcBef>
+                <a:spcPts val="600"/>
+              </a:spcBef>
+              <a:buFont typeface="+mj-lt"/>
+              <a:buAutoNum type="arabicPeriod"/>
+            </a:pPr>
+            <a:r>
+              <a:rPr lang="es-AR" noProof="0" dirty="0"/>
+              <a:t>Documentos PDF: </a:t>
+            </a:r>
+            <a:r>
+              <a:rPr lang="es-AR" dirty="0"/>
+              <a:t>Crear, abrir o editar documentos </a:t>
+            </a:r>
+            <a:r>
+              <a:rPr lang="es-AR" dirty="0" err="1"/>
+              <a:t>pdf</a:t>
+            </a:r>
+            <a:r>
+              <a:rPr lang="es-AR" dirty="0"/>
+              <a:t>, agregando texto, imágenes o tablas.</a:t>
+            </a:r>
+          </a:p>
+          <a:p>
+            <a:pPr marL="342900" indent="-342900" algn="just">
+              <a:spcBef>
+                <a:spcPts val="600"/>
+              </a:spcBef>
+              <a:buFont typeface="+mj-lt"/>
+              <a:buAutoNum type="arabicPeriod"/>
+            </a:pPr>
+            <a:r>
+              <a:rPr lang="es-AR" noProof="0" dirty="0"/>
+              <a:t>Regresión lineal: Ajustar una f</a:t>
+            </a:r>
+            <a:r>
+              <a:rPr lang="es-AR" dirty="0"/>
+              <a:t>unción lineal para modelar una variable en función de otra, mostrando la bondad del ajuste, pendiente, ordenada al origen y el intervalo de confianza.</a:t>
+            </a:r>
+          </a:p>
+          <a:p>
+            <a:pPr marL="342900" indent="-342900" algn="just">
+              <a:spcBef>
+                <a:spcPts val="600"/>
+              </a:spcBef>
+              <a:buFont typeface="+mj-lt"/>
+              <a:buAutoNum type="arabicPeriod"/>
+            </a:pPr>
+            <a:r>
+              <a:rPr lang="es-AR" noProof="0" dirty="0"/>
+              <a:t>Correlación entre dos variables para distintos tiempos.</a:t>
+            </a:r>
+          </a:p>
+          <a:p>
+            <a:pPr marL="342900" indent="-342900" algn="just">
+              <a:spcBef>
+                <a:spcPts val="600"/>
+              </a:spcBef>
+              <a:buFont typeface="+mj-lt"/>
+              <a:buAutoNum type="arabicPeriod"/>
+            </a:pPr>
+            <a:r>
+              <a:rPr lang="es-AR" dirty="0"/>
+              <a:t>Uso de la API de Google </a:t>
+            </a:r>
+            <a:r>
+              <a:rPr lang="es-AR" dirty="0" err="1"/>
+              <a:t>Earth</a:t>
+            </a:r>
+            <a:r>
+              <a:rPr lang="es-AR" dirty="0"/>
+              <a:t> </a:t>
+            </a:r>
+            <a:r>
+              <a:rPr lang="es-AR" dirty="0" err="1"/>
+              <a:t>Engine</a:t>
+            </a:r>
+            <a:r>
+              <a:rPr lang="es-AR" dirty="0"/>
+              <a:t>: Permite utilizar colecciones de GEE, descargarlas, etc.</a:t>
+            </a:r>
+            <a:endParaRPr lang="es-AR" noProof="0" dirty="0"/>
+          </a:p>
+        </p:txBody>
+      </p:sp>
+    </p:spTree>
+    <p:extLst>
+      <p:ext uri="{BB962C8B-B14F-4D97-AF65-F5344CB8AC3E}">
+        <p14:creationId xmlns:p14="http://schemas.microsoft.com/office/powerpoint/2010/main" val="3025350201"/>
+      </p:ext>
+    </p:extLst>
+  </p:cSld>
+  <p:clrMapOvr>
+    <a:masterClrMapping/>
+  </p:clrMapOvr>
+</p:sld>
+</file>
+
+<file path=ppt/slides/slide21.xml><?xml version="1.0" encoding="utf-8"?>
+<p:sld xmlns:a="http://schemas.openxmlformats.org/drawingml/2006/main" xmlns:r="http://schemas.openxmlformats.org/officeDocument/2006/relationships" xmlns:p="http://schemas.openxmlformats.org/presentationml/2006/main">
+  <p:cSld>
+    <p:spTree>
+      <p:nvGrpSpPr>
+        <p:cNvPr id="1" name="">
+          <a:extLst>
+            <a:ext uri="{FF2B5EF4-FFF2-40B4-BE49-F238E27FC236}">
+              <a16:creationId xmlns:a16="http://schemas.microsoft.com/office/drawing/2014/main" id="{B0B209D0-8D1D-7E27-FCA4-DDB26A4EEECD}"/>
+            </a:ext>
+          </a:extLst>
+        </p:cNvPr>
+        <p:cNvGrpSpPr/>
+        <p:nvPr/>
+      </p:nvGrpSpPr>
+      <p:grpSpPr>
+        <a:xfrm>
+          <a:off x="0" y="0"/>
+          <a:ext cx="0" cy="0"/>
+          <a:chOff x="0" y="0"/>
+          <a:chExt cx="0" cy="0"/>
+        </a:xfrm>
+      </p:grpSpPr>
+      <p:sp>
+        <p:nvSpPr>
+          <p:cNvPr id="4" name="CuadroTexto 3">
+            <a:extLst>
+              <a:ext uri="{FF2B5EF4-FFF2-40B4-BE49-F238E27FC236}">
+                <a16:creationId xmlns:a16="http://schemas.microsoft.com/office/drawing/2014/main" id="{87BC7AC6-3E5E-0B6C-4D6D-26CCED70CED5}"/>
+              </a:ext>
+            </a:extLst>
+          </p:cNvPr>
+          <p:cNvSpPr txBox="1"/>
+          <p:nvPr/>
+        </p:nvSpPr>
+        <p:spPr>
+          <a:xfrm>
+            <a:off x="3866534" y="2243158"/>
+            <a:ext cx="4458931" cy="523220"/>
+          </a:xfrm>
+          <a:prstGeom prst="rect">
+            <a:avLst/>
+          </a:prstGeom>
+          <a:noFill/>
+        </p:spPr>
+        <p:txBody>
+          <a:bodyPr wrap="square" rtlCol="0">
+            <a:spAutoFit/>
+          </a:bodyPr>
+          <a:lstStyle/>
+          <a:p>
+            <a:pPr algn="ctr"/>
+            <a:r>
+              <a:rPr lang="es-AR" sz="2800" i="1" dirty="0"/>
+              <a:t>¿Dudas?</a:t>
+            </a:r>
+            <a:endParaRPr lang="en-US" sz="2800" dirty="0"/>
+          </a:p>
+        </p:txBody>
+      </p:sp>
+      <p:pic>
+        <p:nvPicPr>
+          <p:cNvPr id="3" name="Imagen 2" descr="Un hombre vestido de traje con la mano&#10;&#10;El contenido generado por IA puede ser incorrecto.">
+            <a:extLst>
+              <a:ext uri="{FF2B5EF4-FFF2-40B4-BE49-F238E27FC236}">
+                <a16:creationId xmlns:a16="http://schemas.microsoft.com/office/drawing/2014/main" id="{F43511ED-4468-26CD-773C-20C275CD6036}"/>
+              </a:ext>
+            </a:extLst>
+          </p:cNvPr>
+          <p:cNvPicPr>
+            <a:picLocks noChangeAspect="1"/>
+          </p:cNvPicPr>
+          <p:nvPr/>
+        </p:nvPicPr>
+        <p:blipFill>
+          <a:blip r:embed="rId2">
+            <a:extLst>
+              <a:ext uri="{28A0092B-C50C-407E-A947-70E740481C1C}">
+                <a14:useLocalDpi xmlns:a14="http://schemas.microsoft.com/office/drawing/2010/main" val="0"/>
+              </a:ext>
+            </a:extLst>
+          </a:blip>
+          <a:stretch>
+            <a:fillRect/>
+          </a:stretch>
+        </p:blipFill>
+        <p:spPr>
+          <a:xfrm>
+            <a:off x="4651426" y="3013695"/>
+            <a:ext cx="2889148" cy="2958172"/>
+          </a:xfrm>
+          <a:prstGeom prst="rect">
+            <a:avLst/>
+          </a:prstGeom>
+        </p:spPr>
+      </p:pic>
+    </p:spTree>
+    <p:extLst>
+      <p:ext uri="{BB962C8B-B14F-4D97-AF65-F5344CB8AC3E}">
+        <p14:creationId xmlns:p14="http://schemas.microsoft.com/office/powerpoint/2010/main" val="1136011036"/>
       </p:ext>
     </p:extLst>
   </p:cSld>
